--- a/doc/BankenDLL-Design.pptx
+++ b/doc/BankenDLL-Design.pptx
@@ -104,6 +104,11 @@
       </a:defRPr>
     </a:lvl9pPr>
   </p:defaultTextStyle>
+  <p:extLst>
+    <p:ext uri="{EFAFB233-063F-42B5-8137-9DF3F51BA10A}">
+      <p15:sldGuideLst xmlns:p15="http://schemas.microsoft.com/office/powerpoint/2012/main"/>
+    </p:ext>
+  </p:extLst>
 </p:presentation>
 </file>
 
@@ -152,7 +157,6 @@
               <a:rPr lang="de-DE"/>
               <a:t>Titelmasterformat durch Klicken bearbeiten</a:t>
             </a:r>
-            <a:endParaRPr lang="de-DE"/>
           </a:p>
         </p:txBody>
       </p:sp>
@@ -217,7 +221,6 @@
               <a:rPr lang="de-DE"/>
               <a:t>Formatvorlage des Untertitelmasters durch Klicken bearbeiten</a:t>
             </a:r>
-            <a:endParaRPr lang="de-DE"/>
           </a:p>
         </p:txBody>
       </p:sp>
@@ -238,7 +241,7 @@
           <a:p>
             <a:fld id="{CC36E147-B8D1-46C6-A5B3-9169153C19BE}" type="datetimeFigureOut">
               <a:rPr lang="de-DE" smtClean="0"/>
-              <a:t>09.10.2016</a:t>
+              <a:t>13.10.2016</a:t>
             </a:fld>
             <a:endParaRPr lang="de-DE"/>
           </a:p>
@@ -335,7 +338,6 @@
               <a:rPr lang="de-DE"/>
               <a:t>Titelmasterformat durch Klicken bearbeiten</a:t>
             </a:r>
-            <a:endParaRPr lang="de-DE"/>
           </a:p>
         </p:txBody>
       </p:sp>
@@ -387,7 +389,6 @@
               <a:rPr lang="de-DE"/>
               <a:t>Fünfte Ebene</a:t>
             </a:r>
-            <a:endParaRPr lang="de-DE"/>
           </a:p>
         </p:txBody>
       </p:sp>
@@ -408,7 +409,7 @@
           <a:p>
             <a:fld id="{CC36E147-B8D1-46C6-A5B3-9169153C19BE}" type="datetimeFigureOut">
               <a:rPr lang="de-DE" smtClean="0"/>
-              <a:t>09.10.2016</a:t>
+              <a:t>13.10.2016</a:t>
             </a:fld>
             <a:endParaRPr lang="de-DE"/>
           </a:p>
@@ -510,7 +511,6 @@
               <a:rPr lang="de-DE"/>
               <a:t>Titelmasterformat durch Klicken bearbeiten</a:t>
             </a:r>
-            <a:endParaRPr lang="de-DE"/>
           </a:p>
         </p:txBody>
       </p:sp>
@@ -567,7 +567,6 @@
               <a:rPr lang="de-DE"/>
               <a:t>Fünfte Ebene</a:t>
             </a:r>
-            <a:endParaRPr lang="de-DE"/>
           </a:p>
         </p:txBody>
       </p:sp>
@@ -588,7 +587,7 @@
           <a:p>
             <a:fld id="{CC36E147-B8D1-46C6-A5B3-9169153C19BE}" type="datetimeFigureOut">
               <a:rPr lang="de-DE" smtClean="0"/>
-              <a:t>09.10.2016</a:t>
+              <a:t>13.10.2016</a:t>
             </a:fld>
             <a:endParaRPr lang="de-DE"/>
           </a:p>
@@ -685,7 +684,6 @@
               <a:rPr lang="de-DE"/>
               <a:t>Titelmasterformat durch Klicken bearbeiten</a:t>
             </a:r>
-            <a:endParaRPr lang="de-DE"/>
           </a:p>
         </p:txBody>
       </p:sp>
@@ -737,7 +735,6 @@
               <a:rPr lang="de-DE"/>
               <a:t>Fünfte Ebene</a:t>
             </a:r>
-            <a:endParaRPr lang="de-DE"/>
           </a:p>
         </p:txBody>
       </p:sp>
@@ -758,7 +755,7 @@
           <a:p>
             <a:fld id="{CC36E147-B8D1-46C6-A5B3-9169153C19BE}" type="datetimeFigureOut">
               <a:rPr lang="de-DE" smtClean="0"/>
-              <a:t>09.10.2016</a:t>
+              <a:t>13.10.2016</a:t>
             </a:fld>
             <a:endParaRPr lang="de-DE"/>
           </a:p>
@@ -864,7 +861,6 @@
               <a:rPr lang="de-DE"/>
               <a:t>Titelmasterformat durch Klicken bearbeiten</a:t>
             </a:r>
-            <a:endParaRPr lang="de-DE"/>
           </a:p>
         </p:txBody>
       </p:sp>
@@ -1004,7 +1000,7 @@
           <a:p>
             <a:fld id="{CC36E147-B8D1-46C6-A5B3-9169153C19BE}" type="datetimeFigureOut">
               <a:rPr lang="de-DE" smtClean="0"/>
-              <a:t>09.10.2016</a:t>
+              <a:t>13.10.2016</a:t>
             </a:fld>
             <a:endParaRPr lang="de-DE"/>
           </a:p>
@@ -1101,7 +1097,6 @@
               <a:rPr lang="de-DE"/>
               <a:t>Titelmasterformat durch Klicken bearbeiten</a:t>
             </a:r>
-            <a:endParaRPr lang="de-DE"/>
           </a:p>
         </p:txBody>
       </p:sp>
@@ -1158,7 +1153,6 @@
               <a:rPr lang="de-DE"/>
               <a:t>Fünfte Ebene</a:t>
             </a:r>
-            <a:endParaRPr lang="de-DE"/>
           </a:p>
         </p:txBody>
       </p:sp>
@@ -1215,7 +1209,6 @@
               <a:rPr lang="de-DE"/>
               <a:t>Fünfte Ebene</a:t>
             </a:r>
-            <a:endParaRPr lang="de-DE"/>
           </a:p>
         </p:txBody>
       </p:sp>
@@ -1236,7 +1229,7 @@
           <a:p>
             <a:fld id="{CC36E147-B8D1-46C6-A5B3-9169153C19BE}" type="datetimeFigureOut">
               <a:rPr lang="de-DE" smtClean="0"/>
-              <a:t>09.10.2016</a:t>
+              <a:t>13.10.2016</a:t>
             </a:fld>
             <a:endParaRPr lang="de-DE"/>
           </a:p>
@@ -1338,7 +1331,6 @@
               <a:rPr lang="de-DE"/>
               <a:t>Titelmasterformat durch Klicken bearbeiten</a:t>
             </a:r>
-            <a:endParaRPr lang="de-DE"/>
           </a:p>
         </p:txBody>
       </p:sp>
@@ -1460,7 +1452,6 @@
               <a:rPr lang="de-DE"/>
               <a:t>Fünfte Ebene</a:t>
             </a:r>
-            <a:endParaRPr lang="de-DE"/>
           </a:p>
         </p:txBody>
       </p:sp>
@@ -1582,7 +1573,6 @@
               <a:rPr lang="de-DE"/>
               <a:t>Fünfte Ebene</a:t>
             </a:r>
-            <a:endParaRPr lang="de-DE"/>
           </a:p>
         </p:txBody>
       </p:sp>
@@ -1603,7 +1593,7 @@
           <a:p>
             <a:fld id="{CC36E147-B8D1-46C6-A5B3-9169153C19BE}" type="datetimeFigureOut">
               <a:rPr lang="de-DE" smtClean="0"/>
-              <a:t>09.10.2016</a:t>
+              <a:t>13.10.2016</a:t>
             </a:fld>
             <a:endParaRPr lang="de-DE"/>
           </a:p>
@@ -1700,7 +1690,6 @@
               <a:rPr lang="de-DE"/>
               <a:t>Titelmasterformat durch Klicken bearbeiten</a:t>
             </a:r>
-            <a:endParaRPr lang="de-DE"/>
           </a:p>
         </p:txBody>
       </p:sp>
@@ -1721,7 +1710,7 @@
           <a:p>
             <a:fld id="{CC36E147-B8D1-46C6-A5B3-9169153C19BE}" type="datetimeFigureOut">
               <a:rPr lang="de-DE" smtClean="0"/>
-              <a:t>09.10.2016</a:t>
+              <a:t>13.10.2016</a:t>
             </a:fld>
             <a:endParaRPr lang="de-DE"/>
           </a:p>
@@ -1816,7 +1805,7 @@
           <a:p>
             <a:fld id="{CC36E147-B8D1-46C6-A5B3-9169153C19BE}" type="datetimeFigureOut">
               <a:rPr lang="de-DE" smtClean="0"/>
-              <a:t>09.10.2016</a:t>
+              <a:t>13.10.2016</a:t>
             </a:fld>
             <a:endParaRPr lang="de-DE"/>
           </a:p>
@@ -1922,7 +1911,6 @@
               <a:rPr lang="de-DE"/>
               <a:t>Titelmasterformat durch Klicken bearbeiten</a:t>
             </a:r>
-            <a:endParaRPr lang="de-DE"/>
           </a:p>
         </p:txBody>
       </p:sp>
@@ -2007,7 +1995,6 @@
               <a:rPr lang="de-DE"/>
               <a:t>Fünfte Ebene</a:t>
             </a:r>
-            <a:endParaRPr lang="de-DE"/>
           </a:p>
         </p:txBody>
       </p:sp>
@@ -2093,7 +2080,7 @@
           <a:p>
             <a:fld id="{CC36E147-B8D1-46C6-A5B3-9169153C19BE}" type="datetimeFigureOut">
               <a:rPr lang="de-DE" smtClean="0"/>
-              <a:t>09.10.2016</a:t>
+              <a:t>13.10.2016</a:t>
             </a:fld>
             <a:endParaRPr lang="de-DE"/>
           </a:p>
@@ -2199,7 +2186,6 @@
               <a:rPr lang="de-DE"/>
               <a:t>Titelmasterformat durch Klicken bearbeiten</a:t>
             </a:r>
-            <a:endParaRPr lang="de-DE"/>
           </a:p>
         </p:txBody>
       </p:sp>
@@ -2346,7 +2332,7 @@
           <a:p>
             <a:fld id="{CC36E147-B8D1-46C6-A5B3-9169153C19BE}" type="datetimeFigureOut">
               <a:rPr lang="de-DE" smtClean="0"/>
-              <a:t>09.10.2016</a:t>
+              <a:t>13.10.2016</a:t>
             </a:fld>
             <a:endParaRPr lang="de-DE"/>
           </a:p>
@@ -2458,7 +2444,6 @@
               <a:rPr lang="de-DE"/>
               <a:t>Titelmasterformat durch Klicken bearbeiten</a:t>
             </a:r>
-            <a:endParaRPr lang="de-DE"/>
           </a:p>
         </p:txBody>
       </p:sp>
@@ -2520,7 +2505,6 @@
               <a:rPr lang="de-DE"/>
               <a:t>Fünfte Ebene</a:t>
             </a:r>
-            <a:endParaRPr lang="de-DE"/>
           </a:p>
         </p:txBody>
       </p:sp>
@@ -2559,7 +2543,7 @@
           <a:p>
             <a:fld id="{CC36E147-B8D1-46C6-A5B3-9169153C19BE}" type="datetimeFigureOut">
               <a:rPr lang="de-DE" smtClean="0"/>
-              <a:t>09.10.2016</a:t>
+              <a:t>13.10.2016</a:t>
             </a:fld>
             <a:endParaRPr lang="de-DE"/>
           </a:p>
@@ -2972,7 +2956,7 @@
         </p:nvSpPr>
         <p:spPr>
           <a:xfrm>
-            <a:off x="10523588" y="2632211"/>
+            <a:off x="10269588" y="1374911"/>
             <a:ext cx="830179" cy="409073"/>
           </a:xfrm>
           <a:prstGeom prst="can">
@@ -3012,7 +2996,7 @@
         </p:nvSpPr>
         <p:spPr>
           <a:xfrm>
-            <a:off x="10523588" y="2264409"/>
+            <a:off x="10269588" y="1007109"/>
             <a:ext cx="830179" cy="409073"/>
           </a:xfrm>
           <a:prstGeom prst="can">
@@ -3052,8 +3036,8 @@
         </p:nvSpPr>
         <p:spPr>
           <a:xfrm>
-            <a:off x="1103670" y="745959"/>
-            <a:ext cx="8298427" cy="5233736"/>
+            <a:off x="849670" y="-511342"/>
+            <a:ext cx="8298427" cy="8029741"/>
           </a:xfrm>
           <a:prstGeom prst="rect">
             <a:avLst/>
@@ -3092,8 +3076,8 @@
         </p:nvSpPr>
         <p:spPr>
           <a:xfrm>
-            <a:off x="1216741" y="955148"/>
-            <a:ext cx="2296479" cy="4862170"/>
+            <a:off x="907167" y="-339732"/>
+            <a:ext cx="2296479" cy="7070731"/>
           </a:xfrm>
           <a:prstGeom prst="rect">
             <a:avLst/>
@@ -3222,8 +3206,15 @@
                   <a:schemeClr val="tx1"/>
                 </a:solidFill>
               </a:rPr>
-              <a:t> …</a:t>
-            </a:r>
+              <a:t> </a:t>
+            </a:r>
+          </a:p>
+          <a:p>
+            <a:endParaRPr lang="de-DE" dirty="0">
+              <a:solidFill>
+                <a:schemeClr val="tx1"/>
+              </a:solidFill>
+            </a:endParaRPr>
           </a:p>
         </p:txBody>
       </p:sp>
@@ -3235,7 +3226,7 @@
         </p:nvSpPr>
         <p:spPr>
           <a:xfrm>
-            <a:off x="1311747" y="1479879"/>
+            <a:off x="1057747" y="222579"/>
             <a:ext cx="1708484" cy="385011"/>
           </a:xfrm>
           <a:prstGeom prst="rect">
@@ -3290,7 +3281,7 @@
         </p:nvSpPr>
         <p:spPr>
           <a:xfrm>
-            <a:off x="1311747" y="2988093"/>
+            <a:off x="1057747" y="1730793"/>
             <a:ext cx="1708484" cy="385011"/>
           </a:xfrm>
           <a:prstGeom prst="rect">
@@ -3344,7 +3335,7 @@
         </p:nvSpPr>
         <p:spPr>
           <a:xfrm>
-            <a:off x="1324865" y="2485355"/>
+            <a:off x="1070865" y="1228055"/>
             <a:ext cx="2067265" cy="385011"/>
           </a:xfrm>
           <a:prstGeom prst="rect">
@@ -3398,7 +3389,7 @@
         </p:nvSpPr>
         <p:spPr>
           <a:xfrm>
-            <a:off x="1311747" y="1982617"/>
+            <a:off x="1057747" y="725317"/>
             <a:ext cx="1708484" cy="385011"/>
           </a:xfrm>
           <a:prstGeom prst="rect">
@@ -3452,7 +3443,7 @@
         </p:nvSpPr>
         <p:spPr>
           <a:xfrm>
-            <a:off x="1331800" y="3489409"/>
+            <a:off x="1077800" y="2232109"/>
             <a:ext cx="1708484" cy="385011"/>
           </a:xfrm>
           <a:prstGeom prst="rect">
@@ -3506,7 +3497,7 @@
         </p:nvSpPr>
         <p:spPr>
           <a:xfrm>
-            <a:off x="4410672" y="955148"/>
+            <a:off x="4156672" y="-302152"/>
             <a:ext cx="2586789" cy="1412480"/>
           </a:xfrm>
           <a:prstGeom prst="rect">
@@ -3538,7 +3529,7 @@
           <a:p>
             <a:pPr algn="ctr"/>
             <a:r>
-              <a:rPr lang="de-DE" dirty="0">
+              <a:rPr lang="de-DE" b="1" dirty="0">
                 <a:solidFill>
                   <a:schemeClr val="tx1"/>
                 </a:solidFill>
@@ -3546,6 +3537,49 @@
               <a:t>Kundenmanagement</a:t>
             </a:r>
           </a:p>
+          <a:p>
+            <a:pPr algn="ctr"/>
+            <a:r>
+              <a:rPr lang="de-DE" i="1" dirty="0">
+                <a:solidFill>
+                  <a:schemeClr val="tx1"/>
+                </a:solidFill>
+              </a:rPr>
+              <a:t>&lt;</a:t>
+            </a:r>
+            <a:r>
+              <a:rPr lang="de-DE" i="1" dirty="0" err="1">
+                <a:solidFill>
+                  <a:schemeClr val="tx1"/>
+                </a:solidFill>
+              </a:rPr>
+              <a:t>c++</a:t>
+            </a:r>
+            <a:r>
+              <a:rPr lang="de-DE" i="1" dirty="0">
+                <a:solidFill>
+                  <a:schemeClr val="tx1"/>
+                </a:solidFill>
+              </a:rPr>
+              <a:t> </a:t>
+            </a:r>
+            <a:r>
+              <a:rPr lang="de-DE" i="1" dirty="0" err="1">
+                <a:solidFill>
+                  <a:schemeClr val="tx1"/>
+                </a:solidFill>
+              </a:rPr>
+              <a:t>dll</a:t>
+            </a:r>
+            <a:r>
+              <a:rPr lang="de-DE" i="1" dirty="0">
+                <a:solidFill>
+                  <a:schemeClr val="tx1"/>
+                </a:solidFill>
+              </a:rPr>
+              <a:t>&gt;</a:t>
+            </a:r>
+          </a:p>
         </p:txBody>
       </p:sp>
       <p:sp>
@@ -3556,7 +3590,7 @@
         </p:nvSpPr>
         <p:spPr>
           <a:xfrm>
-            <a:off x="4410671" y="2704055"/>
+            <a:off x="4156671" y="1446755"/>
             <a:ext cx="2586789" cy="1412480"/>
           </a:xfrm>
           <a:prstGeom prst="rect">
@@ -3588,7 +3622,7 @@
           <a:p>
             <a:pPr algn="ctr"/>
             <a:r>
-              <a:rPr lang="de-DE" dirty="0">
+              <a:rPr lang="de-DE" b="1" dirty="0">
                 <a:solidFill>
                   <a:schemeClr val="tx1"/>
                 </a:solidFill>
@@ -3596,6 +3630,49 @@
               <a:t>Kontenmanagement</a:t>
             </a:r>
           </a:p>
+          <a:p>
+            <a:pPr algn="ctr"/>
+            <a:r>
+              <a:rPr lang="de-DE" i="1" dirty="0">
+                <a:solidFill>
+                  <a:schemeClr val="tx1"/>
+                </a:solidFill>
+              </a:rPr>
+              <a:t>&lt;</a:t>
+            </a:r>
+            <a:r>
+              <a:rPr lang="de-DE" i="1" dirty="0" err="1">
+                <a:solidFill>
+                  <a:schemeClr val="tx1"/>
+                </a:solidFill>
+              </a:rPr>
+              <a:t>c++</a:t>
+            </a:r>
+            <a:r>
+              <a:rPr lang="de-DE" i="1" dirty="0">
+                <a:solidFill>
+                  <a:schemeClr val="tx1"/>
+                </a:solidFill>
+              </a:rPr>
+              <a:t> </a:t>
+            </a:r>
+            <a:r>
+              <a:rPr lang="de-DE" i="1" dirty="0" err="1">
+                <a:solidFill>
+                  <a:schemeClr val="tx1"/>
+                </a:solidFill>
+              </a:rPr>
+              <a:t>dll</a:t>
+            </a:r>
+            <a:r>
+              <a:rPr lang="de-DE" i="1" dirty="0">
+                <a:solidFill>
+                  <a:schemeClr val="tx1"/>
+                </a:solidFill>
+              </a:rPr>
+              <a:t>&gt;</a:t>
+            </a:r>
+          </a:p>
         </p:txBody>
       </p:sp>
       <p:sp>
@@ -3606,8 +3683,8 @@
         </p:nvSpPr>
         <p:spPr>
           <a:xfrm>
-            <a:off x="4410671" y="4404838"/>
-            <a:ext cx="2586789" cy="1412480"/>
+            <a:off x="4144012" y="3118436"/>
+            <a:ext cx="2649810" cy="1412480"/>
           </a:xfrm>
           <a:prstGeom prst="rect">
             <a:avLst/>
@@ -3638,7 +3715,7 @@
           <a:p>
             <a:pPr algn="ctr"/>
             <a:r>
-              <a:rPr lang="de-DE" dirty="0">
+              <a:rPr lang="de-DE" b="1" dirty="0">
                 <a:solidFill>
                   <a:schemeClr val="tx1"/>
                 </a:solidFill>
@@ -3646,6 +3723,49 @@
               <a:t>Transaktionsmanagement</a:t>
             </a:r>
           </a:p>
+          <a:p>
+            <a:pPr algn="ctr"/>
+            <a:r>
+              <a:rPr lang="de-DE" i="1" dirty="0">
+                <a:solidFill>
+                  <a:schemeClr val="tx1"/>
+                </a:solidFill>
+              </a:rPr>
+              <a:t>&lt;</a:t>
+            </a:r>
+            <a:r>
+              <a:rPr lang="de-DE" i="1" dirty="0" err="1">
+                <a:solidFill>
+                  <a:schemeClr val="tx1"/>
+                </a:solidFill>
+              </a:rPr>
+              <a:t>c++</a:t>
+            </a:r>
+            <a:r>
+              <a:rPr lang="de-DE" i="1" dirty="0">
+                <a:solidFill>
+                  <a:schemeClr val="tx1"/>
+                </a:solidFill>
+              </a:rPr>
+              <a:t> </a:t>
+            </a:r>
+            <a:r>
+              <a:rPr lang="de-DE" i="1" dirty="0" err="1">
+                <a:solidFill>
+                  <a:schemeClr val="tx1"/>
+                </a:solidFill>
+              </a:rPr>
+              <a:t>dll</a:t>
+            </a:r>
+            <a:r>
+              <a:rPr lang="de-DE" i="1" dirty="0">
+                <a:solidFill>
+                  <a:schemeClr val="tx1"/>
+                </a:solidFill>
+              </a:rPr>
+              <a:t>&gt;</a:t>
+            </a:r>
+          </a:p>
         </p:txBody>
       </p:sp>
       <p:sp>
@@ -3656,7 +3776,7 @@
         </p:nvSpPr>
         <p:spPr>
           <a:xfrm>
-            <a:off x="7264034" y="966144"/>
+            <a:off x="7010034" y="-291156"/>
             <a:ext cx="2048408" cy="4851174"/>
           </a:xfrm>
           <a:prstGeom prst="rect">
@@ -3800,17 +3920,6 @@
               </a:solidFill>
             </a:endParaRPr>
           </a:p>
-          <a:p>
-            <a:pPr algn="ctr"/>
-            <a:r>
-              <a:rPr lang="de-DE" dirty="0">
-                <a:solidFill>
-                  <a:schemeClr val="tx1"/>
-                </a:solidFill>
-              </a:rPr>
-              <a:t>…</a:t>
-            </a:r>
-          </a:p>
         </p:txBody>
       </p:sp>
       <p:sp>
@@ -3821,7 +3930,7 @@
         </p:nvSpPr>
         <p:spPr>
           <a:xfrm>
-            <a:off x="10523588" y="1891431"/>
+            <a:off x="10269588" y="634131"/>
             <a:ext cx="830179" cy="409073"/>
           </a:xfrm>
           <a:prstGeom prst="can">
@@ -3855,16 +3964,16 @@
       </p:sp>
       <p:sp>
         <p:nvSpPr>
-          <p:cNvPr id="20" name="Rechteck: abgerundete Ecken 19"/>
+          <p:cNvPr id="21" name="Rechteck 20"/>
           <p:cNvSpPr/>
           <p:nvPr/>
         </p:nvSpPr>
         <p:spPr>
           <a:xfrm>
-            <a:off x="10523588" y="4170857"/>
-            <a:ext cx="802202" cy="1113755"/>
-          </a:xfrm>
-          <a:prstGeom prst="roundRect">
+            <a:off x="7916935" y="549101"/>
+            <a:ext cx="1001147" cy="1239257"/>
+          </a:xfrm>
+          <a:prstGeom prst="rect">
             <a:avLst/>
           </a:prstGeom>
         </p:spPr>
@@ -3890,103 +3999,10 @@
           <a:p>
             <a:pPr algn="ctr"/>
             <a:r>
-              <a:rPr lang="de-DE" dirty="0"/>
-              <a:t>File</a:t>
-            </a:r>
-          </a:p>
-        </p:txBody>
-      </p:sp>
-      <p:sp>
-        <p:nvSpPr>
-          <p:cNvPr id="21" name="Rechteck 20"/>
-          <p:cNvSpPr/>
-          <p:nvPr/>
-        </p:nvSpPr>
-        <p:spPr>
-          <a:xfrm>
-            <a:off x="8170935" y="1806401"/>
-            <a:ext cx="1001147" cy="1239257"/>
-          </a:xfrm>
-          <a:prstGeom prst="rect">
-            <a:avLst/>
-          </a:prstGeom>
-        </p:spPr>
-        <p:style>
-          <a:lnRef idx="2">
-            <a:schemeClr val="accent1">
-              <a:shade val="50000"/>
-            </a:schemeClr>
-          </a:lnRef>
-          <a:fillRef idx="1">
-            <a:schemeClr val="accent1"/>
-          </a:fillRef>
-          <a:effectRef idx="0">
-            <a:schemeClr val="accent1"/>
-          </a:effectRef>
-          <a:fontRef idx="minor">
-            <a:schemeClr val="lt1"/>
-          </a:fontRef>
-        </p:style>
-        <p:txBody>
-          <a:bodyPr rtlCol="0" anchor="ctr"/>
-          <a:lstStyle/>
-          <a:p>
-            <a:pPr algn="ctr"/>
-            <a:r>
               <a:rPr lang="de-DE" dirty="0" err="1"/>
               <a:t>SQlite</a:t>
             </a:r>
             <a:endParaRPr lang="de-DE" dirty="0"/>
-          </a:p>
-          <a:p>
-            <a:pPr algn="ctr"/>
-            <a:r>
-              <a:rPr lang="de-DE" dirty="0"/>
-              <a:t>Adapter</a:t>
-            </a:r>
-          </a:p>
-        </p:txBody>
-      </p:sp>
-      <p:sp>
-        <p:nvSpPr>
-          <p:cNvPr id="22" name="Rechteck 21"/>
-          <p:cNvSpPr/>
-          <p:nvPr/>
-        </p:nvSpPr>
-        <p:spPr>
-          <a:xfrm>
-            <a:off x="8170935" y="3202311"/>
-            <a:ext cx="1001147" cy="1239257"/>
-          </a:xfrm>
-          <a:prstGeom prst="rect">
-            <a:avLst/>
-          </a:prstGeom>
-        </p:spPr>
-        <p:style>
-          <a:lnRef idx="2">
-            <a:schemeClr val="accent1">
-              <a:shade val="50000"/>
-            </a:schemeClr>
-          </a:lnRef>
-          <a:fillRef idx="1">
-            <a:schemeClr val="accent1"/>
-          </a:fillRef>
-          <a:effectRef idx="0">
-            <a:schemeClr val="accent1"/>
-          </a:effectRef>
-          <a:fontRef idx="minor">
-            <a:schemeClr val="lt1"/>
-          </a:fontRef>
-        </p:style>
-        <p:txBody>
-          <a:bodyPr rtlCol="0" anchor="ctr"/>
-          <a:lstStyle/>
-          <a:p>
-            <a:pPr algn="ctr"/>
-            <a:r>
-              <a:rPr lang="de-DE" dirty="0"/>
-              <a:t>File</a:t>
-            </a:r>
           </a:p>
           <a:p>
             <a:pPr algn="ctr"/>
@@ -4008,47 +4024,8 @@
         </p:nvCxnSpPr>
         <p:spPr>
           <a:xfrm flipV="1">
-            <a:off x="9172082" y="2095968"/>
+            <a:off x="8918082" y="838668"/>
             <a:ext cx="1351506" cy="330062"/>
-          </a:xfrm>
-          <a:prstGeom prst="straightConnector1">
-            <a:avLst/>
-          </a:prstGeom>
-          <a:ln>
-            <a:solidFill>
-              <a:schemeClr val="accent2"/>
-            </a:solidFill>
-            <a:tailEnd type="triangle"/>
-          </a:ln>
-        </p:spPr>
-        <p:style>
-          <a:lnRef idx="1">
-            <a:schemeClr val="accent1"/>
-          </a:lnRef>
-          <a:fillRef idx="0">
-            <a:schemeClr val="accent1"/>
-          </a:fillRef>
-          <a:effectRef idx="0">
-            <a:schemeClr val="accent1"/>
-          </a:effectRef>
-          <a:fontRef idx="minor">
-            <a:schemeClr val="tx1"/>
-          </a:fontRef>
-        </p:style>
-      </p:cxnSp>
-      <p:cxnSp>
-        <p:nvCxnSpPr>
-          <p:cNvPr id="25" name="Gerade Verbindung mit Pfeil 24"/>
-          <p:cNvCxnSpPr>
-            <a:stCxn id="22" idx="3"/>
-            <a:endCxn id="20" idx="1"/>
-          </p:cNvCxnSpPr>
-          <p:nvPr/>
-        </p:nvCxnSpPr>
-        <p:spPr>
-          <a:xfrm>
-            <a:off x="9172082" y="3821940"/>
-            <a:ext cx="1351506" cy="905795"/>
           </a:xfrm>
           <a:prstGeom prst="straightConnector1">
             <a:avLst/>
@@ -4086,7 +4063,7 @@
         </p:nvCxnSpPr>
         <p:spPr>
           <a:xfrm flipV="1">
-            <a:off x="3020231" y="1661388"/>
+            <a:off x="2766231" y="404088"/>
             <a:ext cx="1390441" cy="10997"/>
           </a:xfrm>
           <a:prstGeom prst="straightConnector1">
@@ -4124,7 +4101,7 @@
         </p:nvCxnSpPr>
         <p:spPr>
           <a:xfrm flipV="1">
-            <a:off x="3020231" y="1694314"/>
+            <a:off x="2766231" y="437014"/>
             <a:ext cx="1390440" cy="480809"/>
           </a:xfrm>
           <a:prstGeom prst="straightConnector1">
@@ -4163,7 +4140,7 @@
         </p:nvCxnSpPr>
         <p:spPr>
           <a:xfrm flipV="1">
-            <a:off x="3392130" y="1661388"/>
+            <a:off x="3138130" y="404088"/>
             <a:ext cx="1018542" cy="1016473"/>
           </a:xfrm>
           <a:prstGeom prst="straightConnector1">
@@ -4202,7 +4179,7 @@
         </p:nvCxnSpPr>
         <p:spPr>
           <a:xfrm>
-            <a:off x="3020231" y="3180599"/>
+            <a:off x="2766231" y="1923299"/>
             <a:ext cx="1390440" cy="229696"/>
           </a:xfrm>
           <a:prstGeom prst="straightConnector1">
@@ -4241,7 +4218,7 @@
         </p:nvCxnSpPr>
         <p:spPr>
           <a:xfrm flipV="1">
-            <a:off x="3040284" y="3410295"/>
+            <a:off x="2786284" y="2152995"/>
             <a:ext cx="1370387" cy="271620"/>
           </a:xfrm>
           <a:prstGeom prst="straightConnector1">
@@ -4277,7 +4254,7 @@
         </p:nvSpPr>
         <p:spPr>
           <a:xfrm>
-            <a:off x="1330408" y="3990725"/>
+            <a:off x="1076408" y="2733425"/>
             <a:ext cx="1708484" cy="385011"/>
           </a:xfrm>
           <a:prstGeom prst="rect">
@@ -4325,7 +4302,7 @@
         </p:nvCxnSpPr>
         <p:spPr>
           <a:xfrm>
-            <a:off x="3038892" y="4183231"/>
+            <a:off x="2784892" y="2925931"/>
             <a:ext cx="1427377" cy="810126"/>
           </a:xfrm>
           <a:prstGeom prst="straightConnector1">
@@ -4364,7 +4341,7 @@
         </p:nvCxnSpPr>
         <p:spPr>
           <a:xfrm>
-            <a:off x="6997461" y="1661388"/>
+            <a:off x="6743461" y="404088"/>
             <a:ext cx="266573" cy="1730343"/>
           </a:xfrm>
           <a:prstGeom prst="straightConnector1">
@@ -4400,7 +4377,7 @@
         </p:nvSpPr>
         <p:spPr>
           <a:xfrm>
-            <a:off x="4144099" y="1477839"/>
+            <a:off x="3890099" y="220539"/>
             <a:ext cx="403088" cy="398207"/>
           </a:xfrm>
           <a:prstGeom prst="ellipse">
@@ -4446,7 +4423,7 @@
         </p:nvSpPr>
         <p:spPr>
           <a:xfrm>
-            <a:off x="4140870" y="3192627"/>
+            <a:off x="3886870" y="1935327"/>
             <a:ext cx="403088" cy="398207"/>
           </a:xfrm>
           <a:prstGeom prst="ellipse">
@@ -4492,7 +4469,7 @@
         </p:nvSpPr>
         <p:spPr>
           <a:xfrm>
-            <a:off x="4196468" y="4727734"/>
+            <a:off x="3942468" y="3470434"/>
             <a:ext cx="403088" cy="398207"/>
           </a:xfrm>
           <a:prstGeom prst="ellipse">
@@ -4538,7 +4515,7 @@
         </p:nvSpPr>
         <p:spPr>
           <a:xfrm>
-            <a:off x="7047822" y="3192627"/>
+            <a:off x="6793822" y="1935327"/>
             <a:ext cx="403088" cy="398207"/>
           </a:xfrm>
           <a:prstGeom prst="ellipse">
@@ -4587,7 +4564,7 @@
         </p:nvCxnSpPr>
         <p:spPr>
           <a:xfrm flipV="1">
-            <a:off x="6997460" y="3391731"/>
+            <a:off x="6743460" y="2134431"/>
             <a:ext cx="266574" cy="18564"/>
           </a:xfrm>
           <a:prstGeom prst="straightConnector1">
@@ -4626,8 +4603,8 @@
         </p:nvCxnSpPr>
         <p:spPr>
           <a:xfrm flipV="1">
-            <a:off x="6997460" y="3391731"/>
-            <a:ext cx="266574" cy="1719347"/>
+            <a:off x="6793822" y="2134431"/>
+            <a:ext cx="216212" cy="1690245"/>
           </a:xfrm>
           <a:prstGeom prst="straightConnector1">
             <a:avLst/>
@@ -4654,6 +4631,204 @@
           </a:fontRef>
         </p:style>
       </p:cxnSp>
+      <p:cxnSp>
+        <p:nvCxnSpPr>
+          <p:cNvPr id="26" name="Gerader Verbinder 25"/>
+          <p:cNvCxnSpPr/>
+          <p:nvPr/>
+        </p:nvCxnSpPr>
+        <p:spPr>
+          <a:xfrm flipV="1">
+            <a:off x="4144011" y="91053"/>
+            <a:ext cx="2619502" cy="7749"/>
+          </a:xfrm>
+          <a:prstGeom prst="line">
+            <a:avLst/>
+          </a:prstGeom>
+        </p:spPr>
+        <p:style>
+          <a:lnRef idx="1">
+            <a:schemeClr val="accent1"/>
+          </a:lnRef>
+          <a:fillRef idx="0">
+            <a:schemeClr val="accent1"/>
+          </a:fillRef>
+          <a:effectRef idx="0">
+            <a:schemeClr val="accent1"/>
+          </a:effectRef>
+          <a:fontRef idx="minor">
+            <a:schemeClr val="tx1"/>
+          </a:fontRef>
+        </p:style>
+      </p:cxnSp>
+      <p:cxnSp>
+        <p:nvCxnSpPr>
+          <p:cNvPr id="28" name="Gerader Verbinder 27"/>
+          <p:cNvCxnSpPr/>
+          <p:nvPr/>
+        </p:nvCxnSpPr>
+        <p:spPr>
+          <a:xfrm>
+            <a:off x="4156671" y="1783984"/>
+            <a:ext cx="2574130" cy="14020"/>
+          </a:xfrm>
+          <a:prstGeom prst="line">
+            <a:avLst/>
+          </a:prstGeom>
+        </p:spPr>
+        <p:style>
+          <a:lnRef idx="1">
+            <a:schemeClr val="accent1"/>
+          </a:lnRef>
+          <a:fillRef idx="0">
+            <a:schemeClr val="accent1"/>
+          </a:fillRef>
+          <a:effectRef idx="0">
+            <a:schemeClr val="accent1"/>
+          </a:effectRef>
+          <a:fontRef idx="minor">
+            <a:schemeClr val="tx1"/>
+          </a:fontRef>
+        </p:style>
+      </p:cxnSp>
+      <p:cxnSp>
+        <p:nvCxnSpPr>
+          <p:cNvPr id="45" name="Gerader Verbinder 44"/>
+          <p:cNvCxnSpPr/>
+          <p:nvPr/>
+        </p:nvCxnSpPr>
+        <p:spPr>
+          <a:xfrm>
+            <a:off x="4122090" y="3470434"/>
+            <a:ext cx="2574130" cy="14020"/>
+          </a:xfrm>
+          <a:prstGeom prst="line">
+            <a:avLst/>
+          </a:prstGeom>
+        </p:spPr>
+        <p:style>
+          <a:lnRef idx="1">
+            <a:schemeClr val="accent1"/>
+          </a:lnRef>
+          <a:fillRef idx="0">
+            <a:schemeClr val="accent1"/>
+          </a:fillRef>
+          <a:effectRef idx="0">
+            <a:schemeClr val="accent1"/>
+          </a:effectRef>
+          <a:fontRef idx="minor">
+            <a:schemeClr val="tx1"/>
+          </a:fontRef>
+        </p:style>
+      </p:cxnSp>
+      <p:sp>
+        <p:nvSpPr>
+          <p:cNvPr id="46" name="Rechteck 45"/>
+          <p:cNvSpPr/>
+          <p:nvPr/>
+        </p:nvSpPr>
+        <p:spPr>
+          <a:xfrm>
+            <a:off x="1065447" y="3351045"/>
+            <a:ext cx="1708484" cy="385011"/>
+          </a:xfrm>
+          <a:prstGeom prst="rect">
+            <a:avLst/>
+          </a:prstGeom>
+        </p:spPr>
+        <p:style>
+          <a:lnRef idx="2">
+            <a:schemeClr val="accent1">
+              <a:shade val="50000"/>
+            </a:schemeClr>
+          </a:lnRef>
+          <a:fillRef idx="1">
+            <a:schemeClr val="accent1"/>
+          </a:fillRef>
+          <a:effectRef idx="0">
+            <a:schemeClr val="accent1"/>
+          </a:effectRef>
+          <a:fontRef idx="minor">
+            <a:schemeClr val="lt1"/>
+          </a:fontRef>
+        </p:style>
+        <p:txBody>
+          <a:bodyPr rtlCol="0" anchor="ctr"/>
+          <a:lstStyle/>
+          <a:p>
+            <a:r>
+              <a:rPr lang="de-DE" dirty="0" err="1">
+                <a:solidFill>
+                  <a:schemeClr val="tx1"/>
+                </a:solidFill>
+              </a:rPr>
+              <a:t>initialize</a:t>
+            </a:r>
+            <a:r>
+              <a:rPr lang="de-DE" dirty="0">
+                <a:solidFill>
+                  <a:schemeClr val="tx1"/>
+                </a:solidFill>
+              </a:rPr>
+              <a:t>()</a:t>
+            </a:r>
+          </a:p>
+        </p:txBody>
+      </p:sp>
+      <p:sp>
+        <p:nvSpPr>
+          <p:cNvPr id="49" name="Rechteck 48"/>
+          <p:cNvSpPr/>
+          <p:nvPr/>
+        </p:nvSpPr>
+        <p:spPr>
+          <a:xfrm>
+            <a:off x="1057747" y="3936742"/>
+            <a:ext cx="1708484" cy="385011"/>
+          </a:xfrm>
+          <a:prstGeom prst="rect">
+            <a:avLst/>
+          </a:prstGeom>
+        </p:spPr>
+        <p:style>
+          <a:lnRef idx="2">
+            <a:schemeClr val="accent1">
+              <a:shade val="50000"/>
+            </a:schemeClr>
+          </a:lnRef>
+          <a:fillRef idx="1">
+            <a:schemeClr val="accent1"/>
+          </a:fillRef>
+          <a:effectRef idx="0">
+            <a:schemeClr val="accent1"/>
+          </a:effectRef>
+          <a:fontRef idx="minor">
+            <a:schemeClr val="lt1"/>
+          </a:fontRef>
+        </p:style>
+        <p:txBody>
+          <a:bodyPr rtlCol="0" anchor="ctr"/>
+          <a:lstStyle/>
+          <a:p>
+            <a:r>
+              <a:rPr lang="de-DE" dirty="0" err="1">
+                <a:solidFill>
+                  <a:schemeClr val="tx1"/>
+                </a:solidFill>
+              </a:rPr>
+              <a:t>uninitialize</a:t>
+            </a:r>
+            <a:r>
+              <a:rPr lang="de-DE" dirty="0">
+                <a:solidFill>
+                  <a:schemeClr val="tx1"/>
+                </a:solidFill>
+              </a:rPr>
+              <a:t>()</a:t>
+            </a:r>
+          </a:p>
+        </p:txBody>
+      </p:sp>
     </p:spTree>
     <p:extLst>
       <p:ext uri="{BB962C8B-B14F-4D97-AF65-F5344CB8AC3E}">
